--- a/Flights-Presentation.pptx
+++ b/Flights-Presentation.pptx
@@ -9798,7 +9798,150 @@
           <a:bodyPr/>
           <a:lstStyle/>
           <a:p>
-            <a:endParaRPr lang="en-US" dirty="0"/>
+            <a:pPr>
+              <a:buFont typeface="Arial" panose="020B0604020202020204" pitchFamily="34" charset="0"/>
+              <a:buChar char="•"/>
+            </a:pPr>
+            <a:r>
+              <a:rPr lang="da-DK" dirty="0"/>
+              <a:t> </a:t>
+            </a:r>
+            <a:r>
+              <a:rPr lang="da-DK" dirty="0" err="1"/>
+              <a:t>Started</a:t>
+            </a:r>
+            <a:r>
+              <a:rPr lang="da-DK" dirty="0"/>
+              <a:t> </a:t>
+            </a:r>
+            <a:r>
+              <a:rPr lang="da-DK" dirty="0" err="1"/>
+              <a:t>working</a:t>
+            </a:r>
+            <a:r>
+              <a:rPr lang="da-DK" dirty="0"/>
+              <a:t> in </a:t>
+            </a:r>
+            <a:r>
+              <a:rPr lang="da-DK" dirty="0" err="1"/>
+              <a:t>managed</a:t>
+            </a:r>
+            <a:r>
+              <a:rPr lang="da-DK" dirty="0"/>
+              <a:t> </a:t>
+            </a:r>
+            <a:r>
+              <a:rPr lang="da-DK" dirty="0" err="1"/>
+              <a:t>repository</a:t>
+            </a:r>
+            <a:r>
+              <a:rPr lang="da-DK" dirty="0"/>
+              <a:t> – </a:t>
+            </a:r>
+            <a:r>
+              <a:rPr lang="da-DK" dirty="0" err="1"/>
+              <a:t>only</a:t>
+            </a:r>
+            <a:r>
+              <a:rPr lang="da-DK" dirty="0"/>
+              <a:t> </a:t>
+            </a:r>
+            <a:r>
+              <a:rPr lang="da-DK" dirty="0" err="1"/>
+              <a:t>later</a:t>
+            </a:r>
+            <a:r>
+              <a:rPr lang="da-DK" dirty="0"/>
+              <a:t> </a:t>
+            </a:r>
+            <a:r>
+              <a:rPr lang="da-DK" dirty="0" err="1"/>
+              <a:t>realised</a:t>
+            </a:r>
+            <a:r>
+              <a:rPr lang="da-DK" dirty="0"/>
+              <a:t> (</a:t>
+            </a:r>
+            <a:r>
+              <a:rPr lang="da-DK" dirty="0" err="1"/>
+              <a:t>Thursday</a:t>
+            </a:r>
+            <a:r>
+              <a:rPr lang="da-DK" dirty="0"/>
+              <a:t>) I </a:t>
+            </a:r>
+            <a:r>
+              <a:rPr lang="da-DK" dirty="0" err="1"/>
+              <a:t>cannot</a:t>
+            </a:r>
+            <a:r>
+              <a:rPr lang="da-DK" dirty="0"/>
+              <a:t> </a:t>
+            </a:r>
+            <a:r>
+              <a:rPr lang="da-DK" dirty="0" err="1"/>
+              <a:t>share</a:t>
+            </a:r>
+            <a:r>
+              <a:rPr lang="da-DK" dirty="0"/>
+              <a:t> </a:t>
+            </a:r>
+            <a:r>
+              <a:rPr lang="da-DK" dirty="0" err="1"/>
+              <a:t>this</a:t>
+            </a:r>
+            <a:r>
+              <a:rPr lang="da-DK" dirty="0"/>
+              <a:t> </a:t>
+            </a:r>
+            <a:r>
+              <a:rPr lang="da-DK" dirty="0" err="1"/>
+              <a:t>repo</a:t>
+            </a:r>
+            <a:r>
+              <a:rPr lang="da-DK" dirty="0"/>
+              <a:t>…</a:t>
+            </a:r>
+          </a:p>
+          <a:p>
+            <a:pPr>
+              <a:buFont typeface="Arial" panose="020B0604020202020204" pitchFamily="34" charset="0"/>
+              <a:buChar char="•"/>
+            </a:pPr>
+            <a:r>
+              <a:rPr lang="en-US" dirty="0"/>
+              <a:t> Tables / Views with simple aliasing, filtering &amp; aggregation</a:t>
+            </a:r>
+          </a:p>
+          <a:p>
+            <a:pPr>
+              <a:buFont typeface="Arial" panose="020B0604020202020204" pitchFamily="34" charset="0"/>
+              <a:buChar char="•"/>
+            </a:pPr>
+            <a:r>
+              <a:rPr lang="en-US" dirty="0"/>
+              <a:t> Relationships don’t always work out :’ (</a:t>
+            </a:r>
+          </a:p>
+          <a:p>
+            <a:pPr>
+              <a:buFont typeface="Arial" panose="020B0604020202020204" pitchFamily="34" charset="0"/>
+              <a:buChar char="•"/>
+            </a:pPr>
+            <a:r>
+              <a:rPr lang="en-US" dirty="0"/>
+              <a:t> Various Access / PW issues</a:t>
+            </a:r>
+          </a:p>
+          <a:p>
+            <a:pPr>
+              <a:buFont typeface="Arial" panose="020B0604020202020204" pitchFamily="34" charset="0"/>
+              <a:buChar char="•"/>
+            </a:pPr>
+            <a:r>
+              <a:rPr lang="en-US" dirty="0"/>
+              <a:t> Still stumbling a bit in the new framework</a:t>
+            </a:r>
           </a:p>
         </p:txBody>
       </p:sp>
@@ -10461,16 +10604,28 @@
               <a:buChar char="•"/>
             </a:pPr>
             <a:r>
+              <a:rPr lang="da-DK" dirty="0" err="1"/>
+              <a:t>Used</a:t>
+            </a:r>
+            <a:r>
               <a:rPr lang="da-DK" dirty="0"/>
-              <a:t> More / </a:t>
+              <a:t> </a:t>
             </a:r>
             <a:r>
               <a:rPr lang="da-DK" dirty="0" err="1"/>
-              <a:t>Better</a:t>
+              <a:t>own</a:t>
             </a:r>
             <a:r>
               <a:rPr lang="da-DK" dirty="0"/>
-              <a:t> Data</a:t>
+              <a:t> </a:t>
+            </a:r>
+            <a:r>
+              <a:rPr lang="da-DK" dirty="0" err="1"/>
+              <a:t>Repo</a:t>
+            </a:r>
+            <a:r>
+              <a:rPr lang="da-DK" dirty="0"/>
+              <a:t> from the start</a:t>
             </a:r>
           </a:p>
           <a:p>
@@ -10480,13 +10635,16 @@
             </a:pPr>
             <a:r>
               <a:rPr lang="da-DK" dirty="0"/>
-              <a:t> Feature </a:t>
+              <a:t> More / </a:t>
             </a:r>
             <a:r>
               <a:rPr lang="da-DK" dirty="0" err="1"/>
-              <a:t>Extraction</a:t>
-            </a:r>
-            <a:endParaRPr lang="da-DK" dirty="0"/>
+              <a:t>Better</a:t>
+            </a:r>
+            <a:r>
+              <a:rPr lang="da-DK" dirty="0"/>
+              <a:t> Data</a:t>
+            </a:r>
           </a:p>
           <a:p>
             <a:pPr>
@@ -10495,19 +10653,19 @@
             </a:pPr>
             <a:r>
               <a:rPr lang="da-DK" dirty="0"/>
-              <a:t> </a:t>
+              <a:t> More data </a:t>
             </a:r>
             <a:r>
               <a:rPr lang="da-DK" dirty="0" err="1"/>
-              <a:t>Managed</a:t>
+              <a:t>modelling</a:t>
             </a:r>
             <a:r>
               <a:rPr lang="da-DK" dirty="0"/>
-              <a:t> Git-</a:t>
+              <a:t> + </a:t>
             </a:r>
             <a:r>
               <a:rPr lang="da-DK" dirty="0" err="1"/>
-              <a:t>repository</a:t>
+              <a:t>serving</a:t>
             </a:r>
             <a:endParaRPr lang="da-DK" dirty="0"/>
           </a:p>
@@ -10518,11 +10676,11 @@
             </a:pPr>
             <a:r>
               <a:rPr lang="da-DK" dirty="0"/>
-              <a:t> Automated Pipeline / Event </a:t>
+              <a:t> Feature </a:t>
             </a:r>
             <a:r>
               <a:rPr lang="da-DK" dirty="0" err="1"/>
-              <a:t>Triggering</a:t>
+              <a:t>Extraction</a:t>
             </a:r>
             <a:endParaRPr lang="da-DK" dirty="0"/>
           </a:p>
@@ -10531,6 +10689,74 @@
               <a:buFont typeface="Arial" panose="020B0604020202020204" pitchFamily="34" charset="0"/>
               <a:buChar char="•"/>
             </a:pPr>
+            <a:endParaRPr lang="da-DK" dirty="0"/>
+          </a:p>
+          <a:p>
+            <a:pPr>
+              <a:buFont typeface="Arial" panose="020B0604020202020204" pitchFamily="34" charset="0"/>
+              <a:buChar char="•"/>
+            </a:pPr>
+            <a:r>
+              <a:rPr lang="da-DK" dirty="0"/>
+              <a:t> Automated Pipeline / Event </a:t>
+            </a:r>
+            <a:r>
+              <a:rPr lang="da-DK" dirty="0" err="1"/>
+              <a:t>Triggering</a:t>
+            </a:r>
+            <a:endParaRPr lang="da-DK" dirty="0"/>
+          </a:p>
+          <a:p>
+            <a:pPr>
+              <a:buFont typeface="Arial" panose="020B0604020202020204" pitchFamily="34" charset="0"/>
+              <a:buChar char="•"/>
+            </a:pPr>
+            <a:r>
+              <a:rPr lang="da-DK" dirty="0"/>
+              <a:t> </a:t>
+            </a:r>
+            <a:r>
+              <a:rPr lang="da-DK" dirty="0" err="1"/>
+              <a:t>Gone</a:t>
+            </a:r>
+            <a:r>
+              <a:rPr lang="da-DK" dirty="0"/>
+              <a:t> more </a:t>
+            </a:r>
+            <a:r>
+              <a:rPr lang="da-DK" dirty="0" err="1"/>
+              <a:t>into</a:t>
+            </a:r>
+            <a:r>
+              <a:rPr lang="da-DK" dirty="0"/>
+              <a:t> </a:t>
+            </a:r>
+            <a:r>
+              <a:rPr lang="da-DK" dirty="0" err="1"/>
+              <a:t>deployment</a:t>
+            </a:r>
+            <a:r>
+              <a:rPr lang="da-DK" dirty="0"/>
+              <a:t> </a:t>
+            </a:r>
+            <a:r>
+              <a:rPr lang="da-DK" dirty="0" err="1"/>
+              <a:t>architecture</a:t>
+            </a:r>
+            <a:endParaRPr lang="en-US" dirty="0"/>
+          </a:p>
+          <a:p>
+            <a:pPr>
+              <a:buFont typeface="Arial" panose="020B0604020202020204" pitchFamily="34" charset="0"/>
+              <a:buChar char="•"/>
+            </a:pPr>
+            <a:endParaRPr lang="da-DK" dirty="0"/>
+          </a:p>
+          <a:p>
+            <a:pPr>
+              <a:buFont typeface="Arial" panose="020B0604020202020204" pitchFamily="34" charset="0"/>
+              <a:buChar char="•"/>
+            </a:pPr>
             <a:r>
               <a:rPr lang="da-DK" dirty="0"/>
               <a:t> Query </a:t>
@@ -10543,7 +10769,6 @@
               <a:rPr lang="da-DK" dirty="0"/>
               <a:t> Options</a:t>
             </a:r>
-            <a:endParaRPr lang="en-US" dirty="0"/>
           </a:p>
         </p:txBody>
       </p:sp>
@@ -10572,6 +10797,114 @@
           </a:p>
         </p:txBody>
       </p:sp>
+      <p:pic>
+        <p:nvPicPr>
+          <p:cNvPr id="6" name="Grafik 5" descr="Timeglas">
+            <a:extLst>
+              <a:ext uri="{FF2B5EF4-FFF2-40B4-BE49-F238E27FC236}">
+                <a16:creationId xmlns:a16="http://schemas.microsoft.com/office/drawing/2014/main" id="{C7FCF577-54E1-CCF7-BCAD-673F5F7E2375}"/>
+              </a:ext>
+            </a:extLst>
+          </p:cNvPr>
+          <p:cNvPicPr>
+            <a:picLocks noChangeAspect="1"/>
+          </p:cNvPicPr>
+          <p:nvPr/>
+        </p:nvPicPr>
+        <p:blipFill>
+          <a:blip r:embed="rId2">
+            <a:extLst>
+              <a:ext uri="{96DAC541-7B7A-43D3-8B79-37D633B846F1}">
+                <asvg:svgBlip xmlns:asvg="http://schemas.microsoft.com/office/drawing/2016/SVG/main" r:embed="rId3"/>
+              </a:ext>
+            </a:extLst>
+          </a:blip>
+          <a:stretch>
+            <a:fillRect/>
+          </a:stretch>
+        </p:blipFill>
+        <p:spPr>
+          <a:xfrm>
+            <a:off x="599580" y="3073680"/>
+            <a:ext cx="2915640" cy="2915640"/>
+          </a:xfrm>
+          <a:prstGeom prst="rect">
+            <a:avLst/>
+          </a:prstGeom>
+        </p:spPr>
+      </p:pic>
+      <p:pic>
+        <p:nvPicPr>
+          <p:cNvPr id="8" name="Grafik 7" descr="Hammer">
+            <a:extLst>
+              <a:ext uri="{FF2B5EF4-FFF2-40B4-BE49-F238E27FC236}">
+                <a16:creationId xmlns:a16="http://schemas.microsoft.com/office/drawing/2014/main" id="{C392F161-72C2-32BC-0DA9-A7EC4B961DB9}"/>
+              </a:ext>
+            </a:extLst>
+          </p:cNvPr>
+          <p:cNvPicPr>
+            <a:picLocks noChangeAspect="1"/>
+          </p:cNvPicPr>
+          <p:nvPr/>
+        </p:nvPicPr>
+        <p:blipFill>
+          <a:blip r:embed="rId4">
+            <a:extLst>
+              <a:ext uri="{96DAC541-7B7A-43D3-8B79-37D633B846F1}">
+                <asvg:svgBlip xmlns:asvg="http://schemas.microsoft.com/office/drawing/2016/SVG/main" r:embed="rId5"/>
+              </a:ext>
+            </a:extLst>
+          </a:blip>
+          <a:stretch>
+            <a:fillRect/>
+          </a:stretch>
+        </p:blipFill>
+        <p:spPr>
+          <a:xfrm rot="20987926">
+            <a:off x="8789174" y="3324225"/>
+            <a:ext cx="1859775" cy="1859775"/>
+          </a:xfrm>
+          <a:prstGeom prst="rect">
+            <a:avLst/>
+          </a:prstGeom>
+        </p:spPr>
+      </p:pic>
+      <p:pic>
+        <p:nvPicPr>
+          <p:cNvPr id="10" name="Grafik 9" descr="Research">
+            <a:extLst>
+              <a:ext uri="{FF2B5EF4-FFF2-40B4-BE49-F238E27FC236}">
+                <a16:creationId xmlns:a16="http://schemas.microsoft.com/office/drawing/2014/main" id="{3F4086A7-2701-0467-D543-C215E37A7297}"/>
+              </a:ext>
+            </a:extLst>
+          </p:cNvPr>
+          <p:cNvPicPr>
+            <a:picLocks noChangeAspect="1"/>
+          </p:cNvPicPr>
+          <p:nvPr/>
+        </p:nvPicPr>
+        <p:blipFill>
+          <a:blip r:embed="rId6">
+            <a:extLst>
+              <a:ext uri="{96DAC541-7B7A-43D3-8B79-37D633B846F1}">
+                <asvg:svgBlip xmlns:asvg="http://schemas.microsoft.com/office/drawing/2016/SVG/main" r:embed="rId7"/>
+              </a:ext>
+            </a:extLst>
+          </a:blip>
+          <a:stretch>
+            <a:fillRect/>
+          </a:stretch>
+        </p:blipFill>
+        <p:spPr>
+          <a:xfrm rot="21157611">
+            <a:off x="8443875" y="706719"/>
+            <a:ext cx="1871700" cy="1871700"/>
+          </a:xfrm>
+          <a:prstGeom prst="rect">
+            <a:avLst/>
+          </a:prstGeom>
+        </p:spPr>
+      </p:pic>
     </p:spTree>
     <p:extLst>
       <p:ext uri="{BB962C8B-B14F-4D97-AF65-F5344CB8AC3E}">
